--- a/thesis/presentations/2 second/secondv3.pptx
+++ b/thesis/presentations/2 second/secondv3.pptx
@@ -6,10 +6,10 @@
     <p:sldMasterId id="2147483677" r:id="rId2"/>
   </p:sldMasterIdLst>
   <p:notesMasterIdLst>
-    <p:notesMasterId r:id="rId39"/>
+    <p:notesMasterId r:id="rId38"/>
   </p:notesMasterIdLst>
   <p:handoutMasterIdLst>
-    <p:handoutMasterId r:id="rId40"/>
+    <p:handoutMasterId r:id="rId39"/>
   </p:handoutMasterIdLst>
   <p:sldIdLst>
     <p:sldId id="259" r:id="rId3"/>
@@ -47,7 +47,6 @@
     <p:sldId id="295" r:id="rId35"/>
     <p:sldId id="300" r:id="rId36"/>
     <p:sldId id="313" r:id="rId37"/>
-    <p:sldId id="318" r:id="rId38"/>
   </p:sldIdLst>
   <p:sldSz cx="9144000" cy="6858000" type="screen4x3"/>
   <p:notesSz cx="6858000" cy="9144000"/>
@@ -148,7 +147,7 @@
   </p:defaultTextStyle>
   <p:extLst>
     <p:ext uri="{EFAFB233-063F-42B5-8137-9DF3F51BA10A}">
-      <p15:sldGuideLst xmlns="" xmlns:p15="http://schemas.microsoft.com/office/powerpoint/2012/main">
+      <p15:sldGuideLst xmlns:p15="http://schemas.microsoft.com/office/powerpoint/2012/main" xmlns="">
         <p15:guide id="1" orient="horz" pos="2160" userDrawn="1">
           <p15:clr>
             <a:srgbClr val="A4A3A4"/>
@@ -216,15 +215,7 @@
             </a:r>
             <a:r>
               <a:rPr lang="en-US" baseline="0" dirty="0" smtClean="0"/>
-              <a:t> </a:t>
-            </a:r>
-            <a:r>
-              <a:rPr lang="en-US" baseline="0" dirty="0" smtClean="0"/>
-              <a:t>van 5 </a:t>
-            </a:r>
-            <a:r>
-              <a:rPr lang="en-US" baseline="0" dirty="0" smtClean="0"/>
-              <a:t>3x3 </a:t>
+              <a:t> van 5 3x3 </a:t>
             </a:r>
             <a:r>
               <a:rPr lang="en-US" baseline="0" dirty="0" err="1" smtClean="0"/>
@@ -465,11 +456,11 @@
           <c:showBubbleSize val="0"/>
         </c:dLbls>
         <c:gapWidth val="150"/>
-        <c:axId val="272517760"/>
-        <c:axId val="272524032"/>
+        <c:axId val="175823104"/>
+        <c:axId val="175825280"/>
       </c:barChart>
       <c:catAx>
-        <c:axId val="272517760"/>
+        <c:axId val="175823104"/>
         <c:scaling>
           <c:orientation val="minMax"/>
         </c:scaling>
@@ -499,7 +490,7 @@
         <c:majorTickMark val="out"/>
         <c:minorTickMark val="none"/>
         <c:tickLblPos val="nextTo"/>
-        <c:crossAx val="272524032"/>
+        <c:crossAx val="175825280"/>
         <c:crosses val="autoZero"/>
         <c:auto val="1"/>
         <c:lblAlgn val="ctr"/>
@@ -507,7 +498,7 @@
         <c:noMultiLvlLbl val="0"/>
       </c:catAx>
       <c:valAx>
-        <c:axId val="272524032"/>
+        <c:axId val="175825280"/>
         <c:scaling>
           <c:orientation val="minMax"/>
         </c:scaling>
@@ -538,7 +529,7 @@
         <c:majorTickMark val="out"/>
         <c:minorTickMark val="none"/>
         <c:tickLblPos val="nextTo"/>
-        <c:crossAx val="272517760"/>
+        <c:crossAx val="175823104"/>
         <c:crosses val="autoZero"/>
         <c:crossBetween val="between"/>
       </c:valAx>
@@ -10585,7 +10576,7 @@
   </p:clrMapOvr>
   <p:extLst mod="1">
     <p:ext uri="{DCECCB84-F9BA-43D5-87BE-67443E8EF086}">
-      <p15:sldGuideLst xmlns="" xmlns:p15="http://schemas.microsoft.com/office/powerpoint/2012/main">
+      <p15:sldGuideLst xmlns:p15="http://schemas.microsoft.com/office/powerpoint/2012/main" xmlns="">
         <p15:guide id="1" orient="horz" pos="3929" userDrawn="1">
           <p15:clr>
             <a:srgbClr val="FBAE40"/>
@@ -10896,7 +10887,7 @@
   </p:clrMapOvr>
   <p:extLst mod="1">
     <p:ext uri="{DCECCB84-F9BA-43D5-87BE-67443E8EF086}">
-      <p15:sldGuideLst xmlns="" xmlns:p15="http://schemas.microsoft.com/office/powerpoint/2012/main">
+      <p15:sldGuideLst xmlns:p15="http://schemas.microsoft.com/office/powerpoint/2012/main" xmlns="">
         <p15:guide id="1" orient="horz" pos="3929">
           <p15:clr>
             <a:srgbClr val="FBAE40"/>
@@ -11249,7 +11240,7 @@
   </p:clrMapOvr>
   <p:extLst mod="1">
     <p:ext uri="{DCECCB84-F9BA-43D5-87BE-67443E8EF086}">
-      <p15:sldGuideLst xmlns="" xmlns:p15="http://schemas.microsoft.com/office/powerpoint/2012/main">
+      <p15:sldGuideLst xmlns:p15="http://schemas.microsoft.com/office/powerpoint/2012/main" xmlns="">
         <p15:guide id="1" orient="horz" pos="2160">
           <p15:clr>
             <a:srgbClr val="FBAE40"/>
@@ -11556,7 +11547,7 @@
   </p:clrMapOvr>
   <p:extLst mod="1">
     <p:ext uri="{DCECCB84-F9BA-43D5-87BE-67443E8EF086}">
-      <p15:sldGuideLst xmlns="" xmlns:p15="http://schemas.microsoft.com/office/powerpoint/2012/main">
+      <p15:sldGuideLst xmlns:p15="http://schemas.microsoft.com/office/powerpoint/2012/main" xmlns="">
         <p15:guide id="1" orient="horz" pos="2160">
           <p15:clr>
             <a:srgbClr val="FBAE40"/>
@@ -12116,7 +12107,7 @@
   </p:clrMapOvr>
   <p:extLst mod="1">
     <p:ext uri="{DCECCB84-F9BA-43D5-87BE-67443E8EF086}">
-      <p15:sldGuideLst xmlns="" xmlns:p15="http://schemas.microsoft.com/office/powerpoint/2012/main">
+      <p15:sldGuideLst xmlns:p15="http://schemas.microsoft.com/office/powerpoint/2012/main" xmlns="">
         <p15:guide id="1" orient="horz" pos="2160" userDrawn="1">
           <p15:clr>
             <a:srgbClr val="FBAE40"/>
@@ -12447,7 +12438,7 @@
   </p:clrMapOvr>
   <p:extLst mod="1">
     <p:ext uri="{DCECCB84-F9BA-43D5-87BE-67443E8EF086}">
-      <p15:sldGuideLst xmlns="" xmlns:p15="http://schemas.microsoft.com/office/powerpoint/2012/main">
+      <p15:sldGuideLst xmlns:p15="http://schemas.microsoft.com/office/powerpoint/2012/main" xmlns="">
         <p15:guide id="1" orient="horz" pos="2160" userDrawn="1">
           <p15:clr>
             <a:srgbClr val="FBAE40"/>
@@ -14074,7 +14065,7 @@
   </p:txStyles>
   <p:extLst mod="1">
     <p:ext uri="{27BBF7A9-308A-43DC-89C8-2F10F3537804}">
-      <p15:sldGuideLst xmlns="" xmlns:p15="http://schemas.microsoft.com/office/powerpoint/2012/main">
+      <p15:sldGuideLst xmlns:p15="http://schemas.microsoft.com/office/powerpoint/2012/main" xmlns="">
         <p15:guide id="1" orient="horz" pos="3816" userDrawn="1">
           <p15:clr>
             <a:srgbClr val="F26B43"/>
@@ -14706,7 +14697,7 @@
   </p:txStyles>
   <p:extLst mod="1">
     <p:ext uri="{27BBF7A9-308A-43DC-89C8-2F10F3537804}">
-      <p15:sldGuideLst xmlns="" xmlns:p15="http://schemas.microsoft.com/office/powerpoint/2012/main">
+      <p15:sldGuideLst xmlns:p15="http://schemas.microsoft.com/office/powerpoint/2012/main" xmlns="">
         <p15:guide id="1" orient="horz" pos="1026" userDrawn="1">
           <p15:clr>
             <a:srgbClr val="F26B43"/>
@@ -32982,7 +32973,15 @@
                   <a:srgbClr val="92D050"/>
                 </a:solidFill>
               </a:rPr>
-              <a:t> meta-</a:t>
+              <a:t> </a:t>
+            </a:r>
+            <a:r>
+              <a:rPr lang="en-US" sz="2800" dirty="0" smtClean="0">
+                <a:solidFill>
+                  <a:srgbClr val="92D050"/>
+                </a:solidFill>
+              </a:rPr>
+              <a:t>meta-</a:t>
             </a:r>
             <a:r>
               <a:rPr lang="en-US" sz="2800" dirty="0" err="1" smtClean="0">
@@ -32991,6 +32990,14 @@
                 </a:solidFill>
               </a:rPr>
               <a:t>taal</a:t>
+            </a:r>
+            <a:r>
+              <a:rPr lang="en-US" sz="2800" dirty="0" smtClean="0">
+                <a:solidFill>
+                  <a:srgbClr val="92D050"/>
+                </a:solidFill>
+              </a:rPr>
+              <a:t>?</a:t>
             </a:r>
             <a:endParaRPr lang="en-US" sz="2800" dirty="0">
               <a:solidFill>
@@ -35832,7 +35839,15 @@
                   <a:srgbClr val="00B050"/>
                 </a:solidFill>
               </a:rPr>
-              <a:t>3,4,5,6,7,8,9,10,…100</a:t>
+              <a:t>3,4,5,6,7,8,9,10</a:t>
+            </a:r>
+            <a:r>
+              <a:rPr lang="en-US" sz="3200" dirty="0" smtClean="0">
+                <a:solidFill>
+                  <a:srgbClr val="00B050"/>
+                </a:solidFill>
+              </a:rPr>
+              <a:t>,…,100</a:t>
             </a:r>
             <a:r>
               <a:rPr lang="en-US" sz="3200" dirty="0" smtClean="0"/>
@@ -36131,7 +36146,7 @@
           <p:nvPr>
             <p:extLst>
               <p:ext uri="{D42A27DB-BD31-4B8C-83A1-F6EECF244321}">
-                <p14:modId xmlns:p14="http://schemas.microsoft.com/office/powerpoint/2010/main" val="1888326340"/>
+                <p14:modId xmlns:p14="http://schemas.microsoft.com/office/powerpoint/2010/main" val="4046251581"/>
               </p:ext>
             </p:extLst>
           </p:nvPr>
@@ -36231,7 +36246,23 @@
                             <a:srgbClr val="FF0000"/>
                           </a:solidFill>
                         </a:rPr>
-                        <a:t>“Compile-once Evaluate many” niet mogelijk</a:t>
+                        <a:t>“Compile-once </a:t>
+                      </a:r>
+                      <a:r>
+                        <a:rPr lang="nl-BE" sz="1800" baseline="0" dirty="0" smtClean="0">
+                          <a:solidFill>
+                            <a:srgbClr val="FF0000"/>
+                          </a:solidFill>
+                        </a:rPr>
+                        <a:t>Evaluate-many</a:t>
+                      </a:r>
+                      <a:r>
+                        <a:rPr lang="nl-BE" sz="1800" baseline="0" dirty="0" smtClean="0">
+                          <a:solidFill>
+                            <a:srgbClr val="FF0000"/>
+                          </a:solidFill>
+                        </a:rPr>
+                        <a:t>” niet mogelijk</a:t>
                       </a:r>
                       <a:endParaRPr lang="nl-BE" sz="1800" dirty="0" smtClean="0">
                         <a:solidFill>
@@ -36261,12 +36292,20 @@
                         <a:t> inferentie nodig </a:t>
                       </a:r>
                       <a:r>
-                        <a:rPr lang="nl-BE" sz="1800" baseline="0" dirty="0" smtClean="0">
+                        <a:rPr lang="nl-BE" sz="1800" baseline="0" smtClean="0">
                           <a:solidFill>
                             <a:srgbClr val="FF0000"/>
                           </a:solidFill>
                         </a:rPr>
-                        <a:t>(Grounding nodig)</a:t>
+                        <a:t>(</a:t>
+                      </a:r>
+                      <a:r>
+                        <a:rPr lang="nl-BE" sz="1800" baseline="0" smtClean="0">
+                          <a:solidFill>
+                            <a:srgbClr val="FF0000"/>
+                          </a:solidFill>
+                        </a:rPr>
+                        <a:t>Grounding)</a:t>
                       </a:r>
                       <a:endParaRPr lang="nl-BE" sz="1800" dirty="0" smtClean="0">
                         <a:solidFill>
@@ -36547,7 +36586,25 @@
                           </a:solidFill>
                           <a:sym typeface="Wingdings" pitchFamily="2" charset="2"/>
                         </a:rPr>
-                        <a:t> Makkelijker voor bugs te vinden</a:t>
+                        <a:t> Makkelijker </a:t>
+                      </a:r>
+                      <a:r>
+                        <a:rPr lang="nl-BE" sz="1800" baseline="0" dirty="0" smtClean="0">
+                          <a:solidFill>
+                            <a:srgbClr val="00B050"/>
+                          </a:solidFill>
+                          <a:sym typeface="Wingdings" pitchFamily="2" charset="2"/>
+                        </a:rPr>
+                        <a:t>om bugs </a:t>
+                      </a:r>
+                      <a:r>
+                        <a:rPr lang="nl-BE" sz="1800" baseline="0" dirty="0" smtClean="0">
+                          <a:solidFill>
+                            <a:srgbClr val="00B050"/>
+                          </a:solidFill>
+                          <a:sym typeface="Wingdings" pitchFamily="2" charset="2"/>
+                        </a:rPr>
+                        <a:t>te vinden</a:t>
                       </a:r>
                       <a:endParaRPr lang="nl-BE" sz="1800" baseline="0" dirty="0" smtClean="0">
                         <a:solidFill>
@@ -40638,131 +40695,6 @@
       </p:par>
     </p:tnLst>
   </p:timing>
-</p:sld>
-</file>
-
-<file path=ppt/slides/slide36.xml><?xml version="1.0" encoding="utf-8"?>
-<p:sld xmlns:a="http://schemas.openxmlformats.org/drawingml/2006/main" xmlns:r="http://schemas.openxmlformats.org/officeDocument/2006/relationships" xmlns:p="http://schemas.openxmlformats.org/presentationml/2006/main">
-  <p:cSld>
-    <p:spTree>
-      <p:nvGrpSpPr>
-        <p:cNvPr id="1" name=""/>
-        <p:cNvGrpSpPr/>
-        <p:nvPr/>
-      </p:nvGrpSpPr>
-      <p:grpSpPr>
-        <a:xfrm>
-          <a:off x="0" y="0"/>
-          <a:ext cx="0" cy="0"/>
-          <a:chOff x="0" y="0"/>
-          <a:chExt cx="0" cy="0"/>
-        </a:xfrm>
-      </p:grpSpPr>
-      <p:sp>
-        <p:nvSpPr>
-          <p:cNvPr id="2" name="Footer Placeholder 1"/>
-          <p:cNvSpPr>
-            <a:spLocks noGrp="1"/>
-          </p:cNvSpPr>
-          <p:nvPr>
-            <p:ph type="ftr" sz="quarter" idx="11"/>
-          </p:nvPr>
-        </p:nvSpPr>
-        <p:spPr/>
-        <p:txBody>
-          <a:bodyPr/>
-          <a:lstStyle/>
-          <a:p>
-            <a:r>
-              <a:rPr lang="nl-NL" smtClean="0"/>
-              <a:t>Departement Computerwetenschappen · Faculteit Wetenschappen · KU Leuven</a:t>
-            </a:r>
-            <a:endParaRPr lang="nl-NL" dirty="0"/>
-          </a:p>
-        </p:txBody>
-      </p:sp>
-      <p:sp>
-        <p:nvSpPr>
-          <p:cNvPr id="3" name="Slide Number Placeholder 2"/>
-          <p:cNvSpPr>
-            <a:spLocks noGrp="1"/>
-          </p:cNvSpPr>
-          <p:nvPr>
-            <p:ph type="sldNum" sz="quarter" idx="12"/>
-          </p:nvPr>
-        </p:nvSpPr>
-        <p:spPr/>
-        <p:txBody>
-          <a:bodyPr/>
-          <a:lstStyle/>
-          <a:p>
-            <a:fld id="{0A297500-7527-634B-90F4-69D0994C32B4}" type="slidenum">
-              <a:rPr lang="nl-NL" smtClean="0"/>
-              <a:pPr/>
-              <a:t>35</a:t>
-            </a:fld>
-            <a:endParaRPr lang="nl-NL" dirty="0"/>
-          </a:p>
-        </p:txBody>
-      </p:sp>
-      <p:sp>
-        <p:nvSpPr>
-          <p:cNvPr id="4" name="Title 4"/>
-          <p:cNvSpPr txBox="1">
-            <a:spLocks/>
-          </p:cNvSpPr>
-          <p:nvPr/>
-        </p:nvSpPr>
-        <p:spPr>
-          <a:xfrm>
-            <a:off x="576000" y="216000"/>
-            <a:ext cx="7991738" cy="1152000"/>
-          </a:xfrm>
-          <a:prstGeom prst="rect">
-            <a:avLst/>
-          </a:prstGeom>
-        </p:spPr>
-        <p:txBody>
-          <a:bodyPr anchor="ctr"/>
-          <a:lstStyle>
-            <a:lvl1pPr algn="l" defTabSz="914400" rtl="0" eaLnBrk="1" latinLnBrk="0" hangingPunct="1">
-              <a:lnSpc>
-                <a:spcPct val="90000"/>
-              </a:lnSpc>
-              <a:spcBef>
-                <a:spcPct val="0"/>
-              </a:spcBef>
-              <a:buNone/>
-              <a:defRPr sz="4000" kern="1200">
-                <a:solidFill>
-                  <a:schemeClr val="tx2"/>
-                </a:solidFill>
-                <a:latin typeface="+mj-lt"/>
-                <a:ea typeface="+mj-ea"/>
-                <a:cs typeface="+mj-cs"/>
-              </a:defRPr>
-            </a:lvl1pPr>
-          </a:lstStyle>
-          <a:p>
-            <a:pPr algn="ctr"/>
-            <a:r>
-              <a:rPr lang="en-US" dirty="0" err="1" smtClean="0"/>
-              <a:t>Conclusie</a:t>
-            </a:r>
-            <a:endParaRPr lang="nl-BE" dirty="0"/>
-          </a:p>
-        </p:txBody>
-      </p:sp>
-    </p:spTree>
-    <p:extLst>
-      <p:ext uri="{BB962C8B-B14F-4D97-AF65-F5344CB8AC3E}">
-        <p14:creationId xmlns:p14="http://schemas.microsoft.com/office/powerpoint/2010/main" val="208278987"/>
-      </p:ext>
-    </p:extLst>
-  </p:cSld>
-  <p:clrMapOvr>
-    <a:masterClrMapping/>
-  </p:clrMapOvr>
 </p:sld>
 </file>
 
@@ -45262,7 +45194,7 @@
   <a:extraClrSchemeLst/>
   <a:extLst>
     <a:ext uri="{05A4C25C-085E-4340-85A3-A5531E510DB2}">
-      <thm15:themeFamily xmlns="" xmlns:thm15="http://schemas.microsoft.com/office/thememl/2012/main" name="Office Theme" id="{62F939B6-93AF-4DB8-9C6B-D6C7DFDC589F}" vid="{4A3C46E8-61CC-4603-A589-7422A47A8E4A}"/>
+      <thm15:themeFamily xmlns:thm15="http://schemas.microsoft.com/office/thememl/2012/main" xmlns="" name="Office Theme" id="{62F939B6-93AF-4DB8-9C6B-D6C7DFDC589F}" vid="{4A3C46E8-61CC-4603-A589-7422A47A8E4A}"/>
     </a:ext>
   </a:extLst>
 </a:theme>
@@ -45523,7 +45455,7 @@
   <a:extraClrSchemeLst/>
   <a:extLst>
     <a:ext uri="{05A4C25C-085E-4340-85A3-A5531E510DB2}">
-      <thm15:themeFamily xmlns="" xmlns:thm15="http://schemas.microsoft.com/office/thememl/2012/main" name="Office Theme" id="{62F939B6-93AF-4DB8-9C6B-D6C7DFDC589F}" vid="{4A3C46E8-61CC-4603-A589-7422A47A8E4A}"/>
+      <thm15:themeFamily xmlns:thm15="http://schemas.microsoft.com/office/thememl/2012/main" xmlns="" name="Office Theme" id="{62F939B6-93AF-4DB8-9C6B-D6C7DFDC589F}" vid="{4A3C46E8-61CC-4603-A589-7422A47A8E4A}"/>
     </a:ext>
   </a:extLst>
 </a:theme>
@@ -45784,7 +45716,7 @@
   <a:extraClrSchemeLst/>
   <a:extLst>
     <a:ext uri="{05A4C25C-085E-4340-85A3-A5531E510DB2}">
-      <thm15:themeFamily xmlns="" xmlns:thm15="http://schemas.microsoft.com/office/thememl/2012/main" name="Office Theme" id="{62F939B6-93AF-4DB8-9C6B-D6C7DFDC589F}" vid="{4A3C46E8-61CC-4603-A589-7422A47A8E4A}"/>
+      <thm15:themeFamily xmlns:thm15="http://schemas.microsoft.com/office/thememl/2012/main" xmlns="" name="Office Theme" id="{62F939B6-93AF-4DB8-9C6B-D6C7DFDC589F}" vid="{4A3C46E8-61CC-4603-A589-7422A47A8E4A}"/>
     </a:ext>
   </a:extLst>
 </a:theme>
